--- a/inst/rmarkdown/templates/cuestionario-final/skeleton/skeleton.pptx
+++ b/inst/rmarkdown/templates/cuestionario-final/skeleton/skeleton.pptx
@@ -3238,7 +3238,7 @@
             </a:pPr>
             <a:r>
               <a:rPr/>
-              <a:t>La calificación general otorgada al evento fue de 8.6 puntos en promedio.</a:t>
+              <a:t>La calificación general otorgada al evento fue de NA puntos en promedio.</a:t>
             </a:r>
           </a:p>
         </p:txBody>
